--- a/MLM-Models-Ch5.pptx
+++ b/MLM-Models-Ch5.pptx
@@ -3149,7 +3149,7 @@
           <a:graphicData uri="http://schemas.openxmlformats.org/presentationml/2006/ole">
             <mc:AlternateContent xmlns:mc="http://schemas.openxmlformats.org/markup-compatibility/2006">
               <mc:Choice xmlns:v="urn:schemas-microsoft-com:vml" Requires="v">
-                <p:oleObj spid="_x0000_s1280" name="Equation" r:id="rId3" imgW="1244520" imgH="482400" progId="Equation.DSMT4">
+                <p:oleObj spid="_x0000_s1312" name="Equation" r:id="rId3" imgW="1244520" imgH="482400" progId="Equation.DSMT4">
                   <p:embed/>
                 </p:oleObj>
               </mc:Choice>
@@ -3210,7 +3210,7 @@
           <a:graphicData uri="http://schemas.openxmlformats.org/presentationml/2006/ole">
             <mc:AlternateContent xmlns:mc="http://schemas.openxmlformats.org/markup-compatibility/2006">
               <mc:Choice xmlns:v="urn:schemas-microsoft-com:vml" Requires="v">
-                <p:oleObj spid="_x0000_s1281" name="Equation" r:id="rId5" imgW="711000" imgH="939600" progId="Equation.DSMT4">
+                <p:oleObj spid="_x0000_s1313" name="Equation" r:id="rId5" imgW="711000" imgH="939600" progId="Equation.DSMT4">
                   <p:embed/>
                 </p:oleObj>
               </mc:Choice>
@@ -3271,7 +3271,7 @@
           <a:graphicData uri="http://schemas.openxmlformats.org/presentationml/2006/ole">
             <mc:AlternateContent xmlns:mc="http://schemas.openxmlformats.org/markup-compatibility/2006">
               <mc:Choice xmlns:v="urn:schemas-microsoft-com:vml" Requires="v">
-                <p:oleObj spid="_x0000_s1282" name="Equation" r:id="rId7" imgW="660240" imgH="1117440" progId="Equation.DSMT4">
+                <p:oleObj spid="_x0000_s1314" name="Equation" r:id="rId7" imgW="660240" imgH="1117440" progId="Equation.DSMT4">
                   <p:embed/>
                 </p:oleObj>
               </mc:Choice>
@@ -3332,7 +3332,7 @@
           <a:graphicData uri="http://schemas.openxmlformats.org/presentationml/2006/ole">
             <mc:AlternateContent xmlns:mc="http://schemas.openxmlformats.org/markup-compatibility/2006">
               <mc:Choice xmlns:v="urn:schemas-microsoft-com:vml" Requires="v">
-                <p:oleObj spid="_x0000_s1283" name="Equation" r:id="rId9" imgW="1942920" imgH="914400" progId="Equation.DSMT4">
+                <p:oleObj spid="_x0000_s1315" name="Equation" r:id="rId9" imgW="1942920" imgH="914400" progId="Equation.DSMT4">
                   <p:embed/>
                 </p:oleObj>
               </mc:Choice>
@@ -3393,7 +3393,7 @@
           <a:graphicData uri="http://schemas.openxmlformats.org/presentationml/2006/ole">
             <mc:AlternateContent xmlns:mc="http://schemas.openxmlformats.org/markup-compatibility/2006">
               <mc:Choice xmlns:v="urn:schemas-microsoft-com:vml" Requires="v">
-                <p:oleObj spid="_x0000_s1284" name="Equation" r:id="rId11" imgW="660240" imgH="1117440" progId="Equation.DSMT4">
+                <p:oleObj spid="_x0000_s1316" name="Equation" r:id="rId11" imgW="660240" imgH="1117440" progId="Equation.DSMT4">
                   <p:embed/>
                 </p:oleObj>
               </mc:Choice>
@@ -3454,7 +3454,7 @@
           <a:graphicData uri="http://schemas.openxmlformats.org/presentationml/2006/ole">
             <mc:AlternateContent xmlns:mc="http://schemas.openxmlformats.org/markup-compatibility/2006">
               <mc:Choice xmlns:v="urn:schemas-microsoft-com:vml" Requires="v">
-                <p:oleObj spid="_x0000_s1285" name="Equation" r:id="rId13" imgW="622080" imgH="939600" progId="Equation.DSMT4">
+                <p:oleObj spid="_x0000_s1317" name="Equation" r:id="rId13" imgW="622080" imgH="939600" progId="Equation.DSMT4">
                   <p:embed/>
                 </p:oleObj>
               </mc:Choice>
@@ -3515,7 +3515,7 @@
           <a:graphicData uri="http://schemas.openxmlformats.org/presentationml/2006/ole">
             <mc:AlternateContent xmlns:mc="http://schemas.openxmlformats.org/markup-compatibility/2006">
               <mc:Choice xmlns:v="urn:schemas-microsoft-com:vml" Requires="v">
-                <p:oleObj spid="_x0000_s1286" name="Equation" r:id="rId15" imgW="660240" imgH="1117440" progId="Equation.DSMT4">
+                <p:oleObj spid="_x0000_s1318" name="Equation" r:id="rId15" imgW="660240" imgH="1117440" progId="Equation.DSMT4">
                   <p:embed/>
                 </p:oleObj>
               </mc:Choice>
@@ -3576,7 +3576,7 @@
           <a:graphicData uri="http://schemas.openxmlformats.org/presentationml/2006/ole">
             <mc:AlternateContent xmlns:mc="http://schemas.openxmlformats.org/markup-compatibility/2006">
               <mc:Choice xmlns:v="urn:schemas-microsoft-com:vml" Requires="v">
-                <p:oleObj spid="_x0000_s1287" name="Equation" r:id="rId17" imgW="749160" imgH="1143000" progId="Equation.DSMT4">
+                <p:oleObj spid="_x0000_s1319" name="Equation" r:id="rId17" imgW="749160" imgH="1143000" progId="Equation.DSMT4">
                   <p:embed/>
                 </p:oleObj>
               </mc:Choice>
@@ -3637,7 +3637,7 @@
           <a:graphicData uri="http://schemas.openxmlformats.org/presentationml/2006/ole">
             <mc:AlternateContent xmlns:mc="http://schemas.openxmlformats.org/markup-compatibility/2006">
               <mc:Choice xmlns:v="urn:schemas-microsoft-com:vml" Requires="v">
-                <p:oleObj spid="_x0000_s1288" name="Equation" r:id="rId19" imgW="1790640" imgH="1143000" progId="Equation.DSMT4">
+                <p:oleObj spid="_x0000_s1320" name="Equation" r:id="rId19" imgW="1790640" imgH="1143000" progId="Equation.DSMT4">
                   <p:embed/>
                 </p:oleObj>
               </mc:Choice>
@@ -3698,7 +3698,7 @@
           <a:graphicData uri="http://schemas.openxmlformats.org/presentationml/2006/ole">
             <mc:AlternateContent xmlns:mc="http://schemas.openxmlformats.org/markup-compatibility/2006">
               <mc:Choice xmlns:v="urn:schemas-microsoft-com:vml" Requires="v">
-                <p:oleObj spid="_x0000_s1289" name="Equation" r:id="rId21" imgW="723600" imgH="939600" progId="Equation.DSMT4">
+                <p:oleObj spid="_x0000_s1321" name="Equation" r:id="rId21" imgW="723600" imgH="939600" progId="Equation.DSMT4">
                   <p:embed/>
                 </p:oleObj>
               </mc:Choice>
@@ -3759,7 +3759,7 @@
           <a:graphicData uri="http://schemas.openxmlformats.org/presentationml/2006/ole">
             <mc:AlternateContent xmlns:mc="http://schemas.openxmlformats.org/markup-compatibility/2006">
               <mc:Choice xmlns:v="urn:schemas-microsoft-com:vml" Requires="v">
-                <p:oleObj spid="_x0000_s1290" name="Equation" r:id="rId23" imgW="1701720" imgH="241200" progId="Equation.DSMT4">
+                <p:oleObj spid="_x0000_s1322" name="Equation" r:id="rId23" imgW="1701720" imgH="241200" progId="Equation.DSMT4">
                   <p:embed/>
                 </p:oleObj>
               </mc:Choice>
@@ -3961,7 +3961,7 @@
           <a:graphicData uri="http://schemas.openxmlformats.org/presentationml/2006/ole">
             <mc:AlternateContent xmlns:mc="http://schemas.openxmlformats.org/markup-compatibility/2006">
               <mc:Choice xmlns:v="urn:schemas-microsoft-com:vml" Requires="v">
-                <p:oleObj spid="_x0000_s1291" name="Equation" r:id="rId25" imgW="2908080" imgH="1041120" progId="Equation.DSMT4">
+                <p:oleObj spid="_x0000_s1323" name="Equation" r:id="rId25" imgW="2908080" imgH="1041120" progId="Equation.DSMT4">
                   <p:embed/>
                 </p:oleObj>
               </mc:Choice>
@@ -4022,7 +4022,7 @@
           <a:graphicData uri="http://schemas.openxmlformats.org/presentationml/2006/ole">
             <mc:AlternateContent xmlns:mc="http://schemas.openxmlformats.org/markup-compatibility/2006">
               <mc:Choice xmlns:v="urn:schemas-microsoft-com:vml" Requires="v">
-                <p:oleObj spid="_x0000_s1292" name="Equation" r:id="rId27" imgW="1206360" imgH="355320" progId="Equation.DSMT4">
+                <p:oleObj spid="_x0000_s1324" name="Equation" r:id="rId27" imgW="1206360" imgH="355320" progId="Equation.DSMT4">
                   <p:embed/>
                 </p:oleObj>
               </mc:Choice>
@@ -4087,7 +4087,7 @@
           <a:graphicData uri="http://schemas.openxmlformats.org/presentationml/2006/ole">
             <mc:AlternateContent xmlns:mc="http://schemas.openxmlformats.org/markup-compatibility/2006">
               <mc:Choice xmlns:v="urn:schemas-microsoft-com:vml" Requires="v">
-                <p:oleObj spid="_x0000_s1293" name="Equation" r:id="rId29" imgW="3111480" imgH="1244520" progId="Equation.DSMT4">
+                <p:oleObj spid="_x0000_s1325" name="Equation" r:id="rId29" imgW="3111480" imgH="1244520" progId="Equation.DSMT4">
                   <p:embed/>
                 </p:oleObj>
               </mc:Choice>
@@ -4170,7 +4170,7 @@
           <a:graphicData uri="http://schemas.openxmlformats.org/presentationml/2006/ole">
             <mc:AlternateContent xmlns:mc="http://schemas.openxmlformats.org/markup-compatibility/2006">
               <mc:Choice xmlns:v="urn:schemas-microsoft-com:vml" Requires="v">
-                <p:oleObj spid="_x0000_s1294" name="Equation" r:id="rId31" imgW="2400120" imgH="1015920" progId="Equation.DSMT4">
+                <p:oleObj spid="_x0000_s1326" name="Equation" r:id="rId31" imgW="2400120" imgH="1015920" progId="Equation.DSMT4">
                   <p:embed/>
                 </p:oleObj>
               </mc:Choice>
@@ -4235,7 +4235,7 @@
           <a:graphicData uri="http://schemas.openxmlformats.org/presentationml/2006/ole">
             <mc:AlternateContent xmlns:mc="http://schemas.openxmlformats.org/markup-compatibility/2006">
               <mc:Choice xmlns:v="urn:schemas-microsoft-com:vml" Requires="v">
-                <p:oleObj spid="_x0000_s1295" name="Equation" r:id="rId33" imgW="3657600" imgH="2565360" progId="Equation.DSMT4">
+                <p:oleObj spid="_x0000_s1327" name="Equation" r:id="rId33" imgW="3657600" imgH="2565360" progId="Equation.DSMT4">
                   <p:embed/>
                 </p:oleObj>
               </mc:Choice>
@@ -4400,7 +4400,7 @@
           <a:graphicData uri="http://schemas.openxmlformats.org/presentationml/2006/ole">
             <mc:AlternateContent xmlns:mc="http://schemas.openxmlformats.org/markup-compatibility/2006">
               <mc:Choice xmlns:v="urn:schemas-microsoft-com:vml" Requires="v">
-                <p:oleObj spid="_x0000_s14368" name="Equation" r:id="rId3" imgW="1206360" imgH="355320" progId="Equation.DSMT4">
+                <p:oleObj spid="_x0000_s14398" name="Equation" r:id="rId3" imgW="1206360" imgH="355320" progId="Equation.DSMT4">
                   <p:embed/>
                 </p:oleObj>
               </mc:Choice>
@@ -4461,7 +4461,7 @@
           <a:graphicData uri="http://schemas.openxmlformats.org/presentationml/2006/ole">
             <mc:AlternateContent xmlns:mc="http://schemas.openxmlformats.org/markup-compatibility/2006">
               <mc:Choice xmlns:v="urn:schemas-microsoft-com:vml" Requires="v">
-                <p:oleObj spid="_x0000_s14369" name="Equation" r:id="rId5" imgW="1460160" imgH="1244520" progId="Equation.DSMT4">
+                <p:oleObj spid="_x0000_s14399" name="Equation" r:id="rId5" imgW="1460160" imgH="1244520" progId="Equation.DSMT4">
                   <p:embed/>
                 </p:oleObj>
               </mc:Choice>
@@ -4540,7 +4540,7 @@
           <a:graphicData uri="http://schemas.openxmlformats.org/presentationml/2006/ole">
             <mc:AlternateContent xmlns:mc="http://schemas.openxmlformats.org/markup-compatibility/2006">
               <mc:Choice xmlns:v="urn:schemas-microsoft-com:vml" Requires="v">
-                <p:oleObj spid="_x0000_s14370" name="Equation" r:id="rId7" imgW="1676160" imgH="965160" progId="Equation.DSMT4">
+                <p:oleObj spid="_x0000_s14400" name="Equation" r:id="rId7" imgW="1676160" imgH="965160" progId="Equation.DSMT4">
                   <p:embed/>
                 </p:oleObj>
               </mc:Choice>
@@ -4619,7 +4619,7 @@
           <a:graphicData uri="http://schemas.openxmlformats.org/presentationml/2006/ole">
             <mc:AlternateContent xmlns:mc="http://schemas.openxmlformats.org/markup-compatibility/2006">
               <mc:Choice xmlns:v="urn:schemas-microsoft-com:vml" Requires="v">
-                <p:oleObj spid="_x0000_s14371" name="Equation" r:id="rId9" imgW="901440" imgH="482400" progId="Equation.DSMT4">
+                <p:oleObj spid="_x0000_s14401" name="Equation" r:id="rId9" imgW="901440" imgH="482400" progId="Equation.DSMT4">
                   <p:embed/>
                 </p:oleObj>
               </mc:Choice>
@@ -4676,7 +4676,7 @@
           <a:graphicData uri="http://schemas.openxmlformats.org/presentationml/2006/ole">
             <mc:AlternateContent xmlns:mc="http://schemas.openxmlformats.org/markup-compatibility/2006">
               <mc:Choice xmlns:v="urn:schemas-microsoft-com:vml" Requires="v">
-                <p:oleObj spid="_x0000_s14372" name="Equation" r:id="rId11" imgW="660240" imgH="1117440" progId="Equation.DSMT4">
+                <p:oleObj spid="_x0000_s14402" name="Equation" r:id="rId11" imgW="660240" imgH="1117440" progId="Equation.DSMT4">
                   <p:embed/>
                 </p:oleObj>
               </mc:Choice>
@@ -4733,7 +4733,7 @@
           <a:graphicData uri="http://schemas.openxmlformats.org/presentationml/2006/ole">
             <mc:AlternateContent xmlns:mc="http://schemas.openxmlformats.org/markup-compatibility/2006">
               <mc:Choice xmlns:v="urn:schemas-microsoft-com:vml" Requires="v">
-                <p:oleObj spid="_x0000_s14373" name="Equation" r:id="rId13" imgW="622080" imgH="939600" progId="Equation.DSMT4">
+                <p:oleObj spid="_x0000_s14403" name="Equation" r:id="rId13" imgW="622080" imgH="939600" progId="Equation.DSMT4">
                   <p:embed/>
                 </p:oleObj>
               </mc:Choice>
@@ -4790,7 +4790,7 @@
           <a:graphicData uri="http://schemas.openxmlformats.org/presentationml/2006/ole">
             <mc:AlternateContent xmlns:mc="http://schemas.openxmlformats.org/markup-compatibility/2006">
               <mc:Choice xmlns:v="urn:schemas-microsoft-com:vml" Requires="v">
-                <p:oleObj spid="_x0000_s14374" name="Equation" r:id="rId15" imgW="634680" imgH="660240" progId="Equation.DSMT4">
+                <p:oleObj spid="_x0000_s14404" name="Equation" r:id="rId15" imgW="634680" imgH="660240" progId="Equation.DSMT4">
                   <p:embed/>
                 </p:oleObj>
               </mc:Choice>
@@ -4847,7 +4847,7 @@
           <a:graphicData uri="http://schemas.openxmlformats.org/presentationml/2006/ole">
             <mc:AlternateContent xmlns:mc="http://schemas.openxmlformats.org/markup-compatibility/2006">
               <mc:Choice xmlns:v="urn:schemas-microsoft-com:vml" Requires="v">
-                <p:oleObj spid="_x0000_s14375" name="Equation" r:id="rId17" imgW="723600" imgH="685800" progId="Equation.DSMT4">
+                <p:oleObj spid="_x0000_s14405" name="Equation" r:id="rId17" imgW="723600" imgH="685800" progId="Equation.DSMT4">
                   <p:embed/>
                 </p:oleObj>
               </mc:Choice>
@@ -4904,7 +4904,7 @@
           <a:graphicData uri="http://schemas.openxmlformats.org/presentationml/2006/ole">
             <mc:AlternateContent xmlns:mc="http://schemas.openxmlformats.org/markup-compatibility/2006">
               <mc:Choice xmlns:v="urn:schemas-microsoft-com:vml" Requires="v">
-                <p:oleObj spid="_x0000_s14376" name="Equation" r:id="rId19" imgW="1193760" imgH="241200" progId="Equation.DSMT4">
+                <p:oleObj spid="_x0000_s14406" name="Equation" r:id="rId19" imgW="1193760" imgH="241200" progId="Equation.DSMT4">
                   <p:embed/>
                 </p:oleObj>
               </mc:Choice>
@@ -4961,7 +4961,7 @@
           <a:graphicData uri="http://schemas.openxmlformats.org/presentationml/2006/ole">
             <mc:AlternateContent xmlns:mc="http://schemas.openxmlformats.org/markup-compatibility/2006">
               <mc:Choice xmlns:v="urn:schemas-microsoft-com:vml" Requires="v">
-                <p:oleObj spid="_x0000_s14377" name="Equation" r:id="rId21" imgW="2031840" imgH="583920" progId="Equation.DSMT4">
+                <p:oleObj spid="_x0000_s14407" name="Equation" r:id="rId21" imgW="2031840" imgH="583920" progId="Equation.DSMT4">
                   <p:embed/>
                 </p:oleObj>
               </mc:Choice>
@@ -5163,7 +5163,7 @@
           <a:graphicData uri="http://schemas.openxmlformats.org/presentationml/2006/ole">
             <mc:AlternateContent xmlns:mc="http://schemas.openxmlformats.org/markup-compatibility/2006">
               <mc:Choice xmlns:v="urn:schemas-microsoft-com:vml" Requires="v">
-                <p:oleObj spid="_x0000_s14378" name="Equation" r:id="rId23" imgW="3860640" imgH="2565360" progId="Equation.DSMT4">
+                <p:oleObj spid="_x0000_s14408" name="Equation" r:id="rId23" imgW="3860640" imgH="2565360" progId="Equation.DSMT4">
                   <p:embed/>
                 </p:oleObj>
               </mc:Choice>
@@ -5244,7 +5244,11 @@
             <a:graphicFrameLocks noChangeAspect="1"/>
           </p:cNvGraphicFramePr>
           <p:nvPr>
-            <p:extLst/>
+            <p:extLst>
+              <p:ext uri="{D42A27DB-BD31-4B8C-83A1-F6EECF244321}">
+                <p14:modId xmlns:p14="http://schemas.microsoft.com/office/powerpoint/2010/main" val="3953398265"/>
+              </p:ext>
+            </p:extLst>
           </p:nvPr>
         </p:nvGraphicFramePr>
         <p:xfrm>
@@ -5255,7 +5259,7 @@
           <a:graphicData uri="http://schemas.openxmlformats.org/presentationml/2006/ole">
             <mc:AlternateContent xmlns:mc="http://schemas.openxmlformats.org/markup-compatibility/2006">
               <mc:Choice xmlns:v="urn:schemas-microsoft-com:vml" Requires="v">
-                <p:oleObj spid="_x0000_s14379" name="Equation" r:id="rId25" imgW="1739880" imgH="558720" progId="Equation.DSMT4">
+                <p:oleObj spid="_x0000_s14409" name="Equation" r:id="rId25" imgW="1739880" imgH="558720" progId="Equation.DSMT4">
                   <p:embed/>
                 </p:oleObj>
               </mc:Choice>
@@ -5316,7 +5320,7 @@
           <a:graphicData uri="http://schemas.openxmlformats.org/presentationml/2006/ole">
             <mc:AlternateContent xmlns:mc="http://schemas.openxmlformats.org/markup-compatibility/2006">
               <mc:Choice xmlns:v="urn:schemas-microsoft-com:vml" Requires="v">
-                <p:oleObj spid="_x0000_s14380" name="Equation" r:id="rId27" imgW="723600" imgH="914400" progId="Equation.DSMT4">
+                <p:oleObj spid="_x0000_s14410" name="Equation" r:id="rId27" imgW="723600" imgH="914400" progId="Equation.DSMT4">
                   <p:embed/>
                 </p:oleObj>
               </mc:Choice>
@@ -5373,7 +5377,7 @@
           <a:graphicData uri="http://schemas.openxmlformats.org/presentationml/2006/ole">
             <mc:AlternateContent xmlns:mc="http://schemas.openxmlformats.org/markup-compatibility/2006">
               <mc:Choice xmlns:v="urn:schemas-microsoft-com:vml" Requires="v">
-                <p:oleObj spid="_x0000_s14381" name="Equation" r:id="rId29" imgW="685800" imgH="482400" progId="Equation.DSMT4">
+                <p:oleObj spid="_x0000_s14411" name="Equation" r:id="rId29" imgW="685800" imgH="482400" progId="Equation.DSMT4">
                   <p:embed/>
                 </p:oleObj>
               </mc:Choice>
@@ -5430,7 +5434,7 @@
           <a:graphicData uri="http://schemas.openxmlformats.org/presentationml/2006/ole">
             <mc:AlternateContent xmlns:mc="http://schemas.openxmlformats.org/markup-compatibility/2006">
               <mc:Choice xmlns:v="urn:schemas-microsoft-com:vml" Requires="v">
-                <p:oleObj spid="_x0000_s14382" name="Equation" r:id="rId31" imgW="634680" imgH="660240" progId="Equation.DSMT4">
+                <p:oleObj spid="_x0000_s14412" name="Equation" r:id="rId31" imgW="634680" imgH="660240" progId="Equation.DSMT4">
                   <p:embed/>
                 </p:oleObj>
               </mc:Choice>
@@ -5601,7 +5605,7 @@
           <a:graphicData uri="http://schemas.openxmlformats.org/presentationml/2006/ole">
             <mc:AlternateContent xmlns:mc="http://schemas.openxmlformats.org/markup-compatibility/2006">
               <mc:Choice xmlns:v="urn:schemas-microsoft-com:vml" Requires="v">
-                <p:oleObj spid="_x0000_s15396" name="Equation" r:id="rId3" imgW="1244520" imgH="482400" progId="Equation.DSMT4">
+                <p:oleObj spid="_x0000_s15430" name="Equation" r:id="rId3" imgW="1244520" imgH="482400" progId="Equation.DSMT4">
                   <p:embed/>
                 </p:oleObj>
               </mc:Choice>
@@ -5658,7 +5662,7 @@
           <a:graphicData uri="http://schemas.openxmlformats.org/presentationml/2006/ole">
             <mc:AlternateContent xmlns:mc="http://schemas.openxmlformats.org/markup-compatibility/2006">
               <mc:Choice xmlns:v="urn:schemas-microsoft-com:vml" Requires="v">
-                <p:oleObj spid="_x0000_s15397" name="Equation" r:id="rId5" imgW="711000" imgH="939600" progId="Equation.DSMT4">
+                <p:oleObj spid="_x0000_s15431" name="Equation" r:id="rId5" imgW="711000" imgH="939600" progId="Equation.DSMT4">
                   <p:embed/>
                 </p:oleObj>
               </mc:Choice>
@@ -5715,7 +5719,7 @@
           <a:graphicData uri="http://schemas.openxmlformats.org/presentationml/2006/ole">
             <mc:AlternateContent xmlns:mc="http://schemas.openxmlformats.org/markup-compatibility/2006">
               <mc:Choice xmlns:v="urn:schemas-microsoft-com:vml" Requires="v">
-                <p:oleObj spid="_x0000_s15398" name="Equation" r:id="rId7" imgW="660240" imgH="1117440" progId="Equation.DSMT4">
+                <p:oleObj spid="_x0000_s15432" name="Equation" r:id="rId7" imgW="660240" imgH="1117440" progId="Equation.DSMT4">
                   <p:embed/>
                 </p:oleObj>
               </mc:Choice>
@@ -5772,7 +5776,7 @@
           <a:graphicData uri="http://schemas.openxmlformats.org/presentationml/2006/ole">
             <mc:AlternateContent xmlns:mc="http://schemas.openxmlformats.org/markup-compatibility/2006">
               <mc:Choice xmlns:v="urn:schemas-microsoft-com:vml" Requires="v">
-                <p:oleObj spid="_x0000_s15399" name="Equation" r:id="rId9" imgW="1231560" imgH="914400" progId="Equation.DSMT4">
+                <p:oleObj spid="_x0000_s15433" name="Equation" r:id="rId9" imgW="1231560" imgH="914400" progId="Equation.DSMT4">
                   <p:embed/>
                 </p:oleObj>
               </mc:Choice>
@@ -5829,7 +5833,7 @@
           <a:graphicData uri="http://schemas.openxmlformats.org/presentationml/2006/ole">
             <mc:AlternateContent xmlns:mc="http://schemas.openxmlformats.org/markup-compatibility/2006">
               <mc:Choice xmlns:v="urn:schemas-microsoft-com:vml" Requires="v">
-                <p:oleObj spid="_x0000_s15400" name="Equation" r:id="rId11" imgW="647640" imgH="1117440" progId="Equation.DSMT4">
+                <p:oleObj spid="_x0000_s15434" name="Equation" r:id="rId11" imgW="647640" imgH="1117440" progId="Equation.DSMT4">
                   <p:embed/>
                 </p:oleObj>
               </mc:Choice>
@@ -5886,7 +5890,7 @@
           <a:graphicData uri="http://schemas.openxmlformats.org/presentationml/2006/ole">
             <mc:AlternateContent xmlns:mc="http://schemas.openxmlformats.org/markup-compatibility/2006">
               <mc:Choice xmlns:v="urn:schemas-microsoft-com:vml" Requires="v">
-                <p:oleObj spid="_x0000_s15401" name="Equation" r:id="rId13" imgW="622080" imgH="939600" progId="Equation.DSMT4">
+                <p:oleObj spid="_x0000_s15435" name="Equation" r:id="rId13" imgW="622080" imgH="939600" progId="Equation.DSMT4">
                   <p:embed/>
                 </p:oleObj>
               </mc:Choice>
@@ -5943,7 +5947,7 @@
           <a:graphicData uri="http://schemas.openxmlformats.org/presentationml/2006/ole">
             <mc:AlternateContent xmlns:mc="http://schemas.openxmlformats.org/markup-compatibility/2006">
               <mc:Choice xmlns:v="urn:schemas-microsoft-com:vml" Requires="v">
-                <p:oleObj spid="_x0000_s15402" name="Equation" r:id="rId15" imgW="647640" imgH="1117440" progId="Equation.DSMT4">
+                <p:oleObj spid="_x0000_s15436" name="Equation" r:id="rId15" imgW="647640" imgH="1117440" progId="Equation.DSMT4">
                   <p:embed/>
                 </p:oleObj>
               </mc:Choice>
@@ -6000,7 +6004,7 @@
           <a:graphicData uri="http://schemas.openxmlformats.org/presentationml/2006/ole">
             <mc:AlternateContent xmlns:mc="http://schemas.openxmlformats.org/markup-compatibility/2006">
               <mc:Choice xmlns:v="urn:schemas-microsoft-com:vml" Requires="v">
-                <p:oleObj spid="_x0000_s15403" name="Equation" r:id="rId17" imgW="736560" imgH="1143000" progId="Equation.DSMT4">
+                <p:oleObj spid="_x0000_s15437" name="Equation" r:id="rId17" imgW="736560" imgH="1143000" progId="Equation.DSMT4">
                   <p:embed/>
                 </p:oleObj>
               </mc:Choice>
@@ -6057,7 +6061,7 @@
           <a:graphicData uri="http://schemas.openxmlformats.org/presentationml/2006/ole">
             <mc:AlternateContent xmlns:mc="http://schemas.openxmlformats.org/markup-compatibility/2006">
               <mc:Choice xmlns:v="urn:schemas-microsoft-com:vml" Requires="v">
-                <p:oleObj spid="_x0000_s15404" name="Equation" r:id="rId19" imgW="1091880" imgH="1143000" progId="Equation.DSMT4">
+                <p:oleObj spid="_x0000_s15438" name="Equation" r:id="rId19" imgW="1091880" imgH="1143000" progId="Equation.DSMT4">
                   <p:embed/>
                 </p:oleObj>
               </mc:Choice>
@@ -6114,7 +6118,7 @@
           <a:graphicData uri="http://schemas.openxmlformats.org/presentationml/2006/ole">
             <mc:AlternateContent xmlns:mc="http://schemas.openxmlformats.org/markup-compatibility/2006">
               <mc:Choice xmlns:v="urn:schemas-microsoft-com:vml" Requires="v">
-                <p:oleObj spid="_x0000_s15405" name="Equation" r:id="rId21" imgW="711000" imgH="482400" progId="Equation.DSMT4">
+                <p:oleObj spid="_x0000_s15439" name="Equation" r:id="rId21" imgW="711000" imgH="482400" progId="Equation.DSMT4">
                   <p:embed/>
                 </p:oleObj>
               </mc:Choice>
@@ -6171,7 +6175,7 @@
           <a:graphicData uri="http://schemas.openxmlformats.org/presentationml/2006/ole">
             <mc:AlternateContent xmlns:mc="http://schemas.openxmlformats.org/markup-compatibility/2006">
               <mc:Choice xmlns:v="urn:schemas-microsoft-com:vml" Requires="v">
-                <p:oleObj spid="_x0000_s15406" name="Equation" r:id="rId23" imgW="1701720" imgH="241200" progId="Equation.DSMT4">
+                <p:oleObj spid="_x0000_s15440" name="Equation" r:id="rId23" imgW="1701720" imgH="241200" progId="Equation.DSMT4">
                   <p:embed/>
                 </p:oleObj>
               </mc:Choice>
@@ -6228,7 +6232,7 @@
           <a:graphicData uri="http://schemas.openxmlformats.org/presentationml/2006/ole">
             <mc:AlternateContent xmlns:mc="http://schemas.openxmlformats.org/markup-compatibility/2006">
               <mc:Choice xmlns:v="urn:schemas-microsoft-com:vml" Requires="v">
-                <p:oleObj spid="_x0000_s15407" name="Equation" r:id="rId25" imgW="3085920" imgH="1041120" progId="Equation.DSMT4">
+                <p:oleObj spid="_x0000_s15441" name="Equation" r:id="rId25" imgW="3085920" imgH="1041120" progId="Equation.DSMT4">
                   <p:embed/>
                 </p:oleObj>
               </mc:Choice>
@@ -6285,7 +6289,7 @@
           <a:graphicData uri="http://schemas.openxmlformats.org/presentationml/2006/ole">
             <mc:AlternateContent xmlns:mc="http://schemas.openxmlformats.org/markup-compatibility/2006">
               <mc:Choice xmlns:v="urn:schemas-microsoft-com:vml" Requires="v">
-                <p:oleObj spid="_x0000_s15408" name="Equation" r:id="rId27" imgW="1206360" imgH="355320" progId="Equation.DSMT4">
+                <p:oleObj spid="_x0000_s15442" name="Equation" r:id="rId27" imgW="1206360" imgH="355320" progId="Equation.DSMT4">
                   <p:embed/>
                 </p:oleObj>
               </mc:Choice>
@@ -6346,7 +6350,7 @@
           <a:graphicData uri="http://schemas.openxmlformats.org/presentationml/2006/ole">
             <mc:AlternateContent xmlns:mc="http://schemas.openxmlformats.org/markup-compatibility/2006">
               <mc:Choice xmlns:v="urn:schemas-microsoft-com:vml" Requires="v">
-                <p:oleObj spid="_x0000_s15409" name="Equation" r:id="rId29" imgW="2844720" imgH="1295280" progId="Equation.DSMT4">
+                <p:oleObj spid="_x0000_s15443" name="Equation" r:id="rId29" imgW="2844720" imgH="1295280" progId="Equation.DSMT4">
                   <p:embed/>
                 </p:oleObj>
               </mc:Choice>
@@ -6425,7 +6429,7 @@
           <a:graphicData uri="http://schemas.openxmlformats.org/presentationml/2006/ole">
             <mc:AlternateContent xmlns:mc="http://schemas.openxmlformats.org/markup-compatibility/2006">
               <mc:Choice xmlns:v="urn:schemas-microsoft-com:vml" Requires="v">
-                <p:oleObj spid="_x0000_s15410" name="Equation" r:id="rId31" imgW="2374560" imgH="1015920" progId="Equation.DSMT4">
+                <p:oleObj spid="_x0000_s15444" name="Equation" r:id="rId31" imgW="2374560" imgH="1015920" progId="Equation.DSMT4">
                   <p:embed/>
                 </p:oleObj>
               </mc:Choice>
@@ -6486,7 +6490,7 @@
           <a:graphicData uri="http://schemas.openxmlformats.org/presentationml/2006/ole">
             <mc:AlternateContent xmlns:mc="http://schemas.openxmlformats.org/markup-compatibility/2006">
               <mc:Choice xmlns:v="urn:schemas-microsoft-com:vml" Requires="v">
-                <p:oleObj spid="_x0000_s15411" name="Equation" r:id="rId33" imgW="3886200" imgH="2565360" progId="Equation.DSMT4">
+                <p:oleObj spid="_x0000_s15445" name="Equation" r:id="rId33" imgW="3886200" imgH="2565360" progId="Equation.DSMT4">
                   <p:embed/>
                 </p:oleObj>
               </mc:Choice>
@@ -6684,7 +6688,7 @@
           <a:graphicData uri="http://schemas.openxmlformats.org/presentationml/2006/ole">
             <mc:AlternateContent xmlns:mc="http://schemas.openxmlformats.org/markup-compatibility/2006">
               <mc:Choice xmlns:v="urn:schemas-microsoft-com:vml" Requires="v">
-                <p:oleObj spid="_x0000_s15412" name="Equation" r:id="rId35" imgW="3314520" imgH="1422360" progId="Equation.DSMT4">
+                <p:oleObj spid="_x0000_s15446" name="Equation" r:id="rId35" imgW="3314520" imgH="1422360" progId="Equation.DSMT4">
                   <p:embed/>
                 </p:oleObj>
               </mc:Choice>
@@ -6912,7 +6916,7 @@
           <a:graphicData uri="http://schemas.openxmlformats.org/presentationml/2006/ole">
             <mc:AlternateContent xmlns:mc="http://schemas.openxmlformats.org/markup-compatibility/2006">
               <mc:Choice xmlns:v="urn:schemas-microsoft-com:vml" Requires="v">
-                <p:oleObj spid="_x0000_s5186" name="Equation" r:id="rId3" imgW="1244520" imgH="482400" progId="Equation.DSMT4">
+                <p:oleObj spid="_x0000_s5218" name="Equation" r:id="rId3" imgW="1244520" imgH="482400" progId="Equation.DSMT4">
                   <p:embed/>
                 </p:oleObj>
               </mc:Choice>
@@ -6969,7 +6973,7 @@
           <a:graphicData uri="http://schemas.openxmlformats.org/presentationml/2006/ole">
             <mc:AlternateContent xmlns:mc="http://schemas.openxmlformats.org/markup-compatibility/2006">
               <mc:Choice xmlns:v="urn:schemas-microsoft-com:vml" Requires="v">
-                <p:oleObj spid="_x0000_s5187" name="Equation" r:id="rId5" imgW="711000" imgH="939600" progId="Equation.DSMT4">
+                <p:oleObj spid="_x0000_s5219" name="Equation" r:id="rId5" imgW="711000" imgH="939600" progId="Equation.DSMT4">
                   <p:embed/>
                 </p:oleObj>
               </mc:Choice>
@@ -7026,7 +7030,7 @@
           <a:graphicData uri="http://schemas.openxmlformats.org/presentationml/2006/ole">
             <mc:AlternateContent xmlns:mc="http://schemas.openxmlformats.org/markup-compatibility/2006">
               <mc:Choice xmlns:v="urn:schemas-microsoft-com:vml" Requires="v">
-                <p:oleObj spid="_x0000_s5188" name="Equation" r:id="rId7" imgW="660240" imgH="1117440" progId="Equation.DSMT4">
+                <p:oleObj spid="_x0000_s5220" name="Equation" r:id="rId7" imgW="660240" imgH="1117440" progId="Equation.DSMT4">
                   <p:embed/>
                 </p:oleObj>
               </mc:Choice>
@@ -7083,7 +7087,7 @@
           <a:graphicData uri="http://schemas.openxmlformats.org/presentationml/2006/ole">
             <mc:AlternateContent xmlns:mc="http://schemas.openxmlformats.org/markup-compatibility/2006">
               <mc:Choice xmlns:v="urn:schemas-microsoft-com:vml" Requires="v">
-                <p:oleObj spid="_x0000_s5189" name="Equation" r:id="rId9" imgW="1942920" imgH="914400" progId="Equation.DSMT4">
+                <p:oleObj spid="_x0000_s5221" name="Equation" r:id="rId9" imgW="1942920" imgH="914400" progId="Equation.DSMT4">
                   <p:embed/>
                 </p:oleObj>
               </mc:Choice>
@@ -7140,7 +7144,7 @@
           <a:graphicData uri="http://schemas.openxmlformats.org/presentationml/2006/ole">
             <mc:AlternateContent xmlns:mc="http://schemas.openxmlformats.org/markup-compatibility/2006">
               <mc:Choice xmlns:v="urn:schemas-microsoft-com:vml" Requires="v">
-                <p:oleObj spid="_x0000_s5190" name="Equation" r:id="rId11" imgW="660240" imgH="1117440" progId="Equation.DSMT4">
+                <p:oleObj spid="_x0000_s5222" name="Equation" r:id="rId11" imgW="660240" imgH="1117440" progId="Equation.DSMT4">
                   <p:embed/>
                 </p:oleObj>
               </mc:Choice>
@@ -7197,7 +7201,7 @@
           <a:graphicData uri="http://schemas.openxmlformats.org/presentationml/2006/ole">
             <mc:AlternateContent xmlns:mc="http://schemas.openxmlformats.org/markup-compatibility/2006">
               <mc:Choice xmlns:v="urn:schemas-microsoft-com:vml" Requires="v">
-                <p:oleObj spid="_x0000_s5191" name="Equation" r:id="rId13" imgW="622080" imgH="939600" progId="Equation.DSMT4">
+                <p:oleObj spid="_x0000_s5223" name="Equation" r:id="rId13" imgW="622080" imgH="939600" progId="Equation.DSMT4">
                   <p:embed/>
                 </p:oleObj>
               </mc:Choice>
@@ -7254,7 +7258,7 @@
           <a:graphicData uri="http://schemas.openxmlformats.org/presentationml/2006/ole">
             <mc:AlternateContent xmlns:mc="http://schemas.openxmlformats.org/markup-compatibility/2006">
               <mc:Choice xmlns:v="urn:schemas-microsoft-com:vml" Requires="v">
-                <p:oleObj spid="_x0000_s5192" name="Equation" r:id="rId15" imgW="660240" imgH="1117440" progId="Equation.DSMT4">
+                <p:oleObj spid="_x0000_s5224" name="Equation" r:id="rId15" imgW="660240" imgH="1117440" progId="Equation.DSMT4">
                   <p:embed/>
                 </p:oleObj>
               </mc:Choice>
@@ -7311,7 +7315,7 @@
           <a:graphicData uri="http://schemas.openxmlformats.org/presentationml/2006/ole">
             <mc:AlternateContent xmlns:mc="http://schemas.openxmlformats.org/markup-compatibility/2006">
               <mc:Choice xmlns:v="urn:schemas-microsoft-com:vml" Requires="v">
-                <p:oleObj spid="_x0000_s5193" name="Equation" r:id="rId17" imgW="749160" imgH="1143000" progId="Equation.DSMT4">
+                <p:oleObj spid="_x0000_s5225" name="Equation" r:id="rId17" imgW="749160" imgH="1143000" progId="Equation.DSMT4">
                   <p:embed/>
                 </p:oleObj>
               </mc:Choice>
@@ -7368,7 +7372,7 @@
           <a:graphicData uri="http://schemas.openxmlformats.org/presentationml/2006/ole">
             <mc:AlternateContent xmlns:mc="http://schemas.openxmlformats.org/markup-compatibility/2006">
               <mc:Choice xmlns:v="urn:schemas-microsoft-com:vml" Requires="v">
-                <p:oleObj spid="_x0000_s5194" name="Equation" r:id="rId19" imgW="1790640" imgH="1143000" progId="Equation.DSMT4">
+                <p:oleObj spid="_x0000_s5226" name="Equation" r:id="rId19" imgW="1790640" imgH="1143000" progId="Equation.DSMT4">
                   <p:embed/>
                 </p:oleObj>
               </mc:Choice>
@@ -7425,7 +7429,7 @@
           <a:graphicData uri="http://schemas.openxmlformats.org/presentationml/2006/ole">
             <mc:AlternateContent xmlns:mc="http://schemas.openxmlformats.org/markup-compatibility/2006">
               <mc:Choice xmlns:v="urn:schemas-microsoft-com:vml" Requires="v">
-                <p:oleObj spid="_x0000_s5195" name="Equation" r:id="rId21" imgW="723600" imgH="939600" progId="Equation.DSMT4">
+                <p:oleObj spid="_x0000_s5227" name="Equation" r:id="rId21" imgW="723600" imgH="939600" progId="Equation.DSMT4">
                   <p:embed/>
                 </p:oleObj>
               </mc:Choice>
@@ -7482,7 +7486,7 @@
           <a:graphicData uri="http://schemas.openxmlformats.org/presentationml/2006/ole">
             <mc:AlternateContent xmlns:mc="http://schemas.openxmlformats.org/markup-compatibility/2006">
               <mc:Choice xmlns:v="urn:schemas-microsoft-com:vml" Requires="v">
-                <p:oleObj spid="_x0000_s5196" name="Equation" r:id="rId23" imgW="1701720" imgH="241200" progId="Equation.DSMT4">
+                <p:oleObj spid="_x0000_s5228" name="Equation" r:id="rId23" imgW="1701720" imgH="241200" progId="Equation.DSMT4">
                   <p:embed/>
                 </p:oleObj>
               </mc:Choice>
@@ -7680,7 +7684,7 @@
           <a:graphicData uri="http://schemas.openxmlformats.org/presentationml/2006/ole">
             <mc:AlternateContent xmlns:mc="http://schemas.openxmlformats.org/markup-compatibility/2006">
               <mc:Choice xmlns:v="urn:schemas-microsoft-com:vml" Requires="v">
-                <p:oleObj spid="_x0000_s5197" name="Equation" r:id="rId25" imgW="2908080" imgH="1041120" progId="Equation.DSMT4">
+                <p:oleObj spid="_x0000_s5229" name="Equation" r:id="rId25" imgW="2908080" imgH="1041120" progId="Equation.DSMT4">
                   <p:embed/>
                 </p:oleObj>
               </mc:Choice>
@@ -7737,7 +7741,7 @@
           <a:graphicData uri="http://schemas.openxmlformats.org/presentationml/2006/ole">
             <mc:AlternateContent xmlns:mc="http://schemas.openxmlformats.org/markup-compatibility/2006">
               <mc:Choice xmlns:v="urn:schemas-microsoft-com:vml" Requires="v">
-                <p:oleObj spid="_x0000_s5198" name="Equation" r:id="rId27" imgW="1206360" imgH="355320" progId="Equation.DSMT4">
+                <p:oleObj spid="_x0000_s5230" name="Equation" r:id="rId27" imgW="1206360" imgH="355320" progId="Equation.DSMT4">
                   <p:embed/>
                 </p:oleObj>
               </mc:Choice>
@@ -7798,7 +7802,7 @@
           <a:graphicData uri="http://schemas.openxmlformats.org/presentationml/2006/ole">
             <mc:AlternateContent xmlns:mc="http://schemas.openxmlformats.org/markup-compatibility/2006">
               <mc:Choice xmlns:v="urn:schemas-microsoft-com:vml" Requires="v">
-                <p:oleObj spid="_x0000_s5199" name="Equation" r:id="rId29" imgW="3111480" imgH="1244520" progId="Equation.DSMT4">
+                <p:oleObj spid="_x0000_s5231" name="Equation" r:id="rId29" imgW="3111480" imgH="1244520" progId="Equation.DSMT4">
                   <p:embed/>
                 </p:oleObj>
               </mc:Choice>
@@ -7877,7 +7881,7 @@
           <a:graphicData uri="http://schemas.openxmlformats.org/presentationml/2006/ole">
             <mc:AlternateContent xmlns:mc="http://schemas.openxmlformats.org/markup-compatibility/2006">
               <mc:Choice xmlns:v="urn:schemas-microsoft-com:vml" Requires="v">
-                <p:oleObj spid="_x0000_s5200" name="Equation" r:id="rId31" imgW="2400120" imgH="1015920" progId="Equation.DSMT4">
+                <p:oleObj spid="_x0000_s5232" name="Equation" r:id="rId31" imgW="2400120" imgH="1015920" progId="Equation.DSMT4">
                   <p:embed/>
                 </p:oleObj>
               </mc:Choice>
@@ -7938,7 +7942,7 @@
           <a:graphicData uri="http://schemas.openxmlformats.org/presentationml/2006/ole">
             <mc:AlternateContent xmlns:mc="http://schemas.openxmlformats.org/markup-compatibility/2006">
               <mc:Choice xmlns:v="urn:schemas-microsoft-com:vml" Requires="v">
-                <p:oleObj spid="_x0000_s5201" name="Equation" r:id="rId33" imgW="3657600" imgH="2565360" progId="Equation.DSMT4">
+                <p:oleObj spid="_x0000_s5233" name="Equation" r:id="rId33" imgW="3657600" imgH="2565360" progId="Equation.DSMT4">
                   <p:embed/>
                 </p:oleObj>
               </mc:Choice>
@@ -8103,7 +8107,7 @@
           <a:graphicData uri="http://schemas.openxmlformats.org/presentationml/2006/ole">
             <mc:AlternateContent xmlns:mc="http://schemas.openxmlformats.org/markup-compatibility/2006">
               <mc:Choice xmlns:v="urn:schemas-microsoft-com:vml" Requires="v">
-                <p:oleObj spid="_x0000_s6152" name="Equation" r:id="rId3" imgW="1180800" imgH="355320" progId="Equation.DSMT4">
+                <p:oleObj spid="_x0000_s6158" name="Equation" r:id="rId3" imgW="1180800" imgH="355320" progId="Equation.DSMT4">
                   <p:embed/>
                 </p:oleObj>
               </mc:Choice>
@@ -8164,7 +8168,7 @@
           <a:graphicData uri="http://schemas.openxmlformats.org/presentationml/2006/ole">
             <mc:AlternateContent xmlns:mc="http://schemas.openxmlformats.org/markup-compatibility/2006">
               <mc:Choice xmlns:v="urn:schemas-microsoft-com:vml" Requires="v">
-                <p:oleObj spid="_x0000_s6153" name="Equation" r:id="rId5" imgW="1143000" imgH="736560" progId="Equation.DSMT4">
+                <p:oleObj spid="_x0000_s6159" name="Equation" r:id="rId5" imgW="1143000" imgH="736560" progId="Equation.DSMT4">
                   <p:embed/>
                 </p:oleObj>
               </mc:Choice>
@@ -8243,7 +8247,7 @@
           <a:graphicData uri="http://schemas.openxmlformats.org/presentationml/2006/ole">
             <mc:AlternateContent xmlns:mc="http://schemas.openxmlformats.org/markup-compatibility/2006">
               <mc:Choice xmlns:v="urn:schemas-microsoft-com:vml" Requires="v">
-                <p:oleObj spid="_x0000_s6154" name="Equation" r:id="rId7" imgW="838080" imgH="914400" progId="Equation.DSMT4">
+                <p:oleObj spid="_x0000_s6160" name="Equation" r:id="rId7" imgW="838080" imgH="914400" progId="Equation.DSMT4">
                   <p:embed/>
                 </p:oleObj>
               </mc:Choice>
@@ -8359,7 +8363,7 @@
           <a:graphicData uri="http://schemas.openxmlformats.org/presentationml/2006/ole">
             <mc:AlternateContent xmlns:mc="http://schemas.openxmlformats.org/markup-compatibility/2006">
               <mc:Choice xmlns:v="urn:schemas-microsoft-com:vml" Requires="v">
-                <p:oleObj spid="_x0000_s7176" name="Equation" r:id="rId3" imgW="1180800" imgH="355320" progId="Equation.DSMT4">
+                <p:oleObj spid="_x0000_s7182" name="Equation" r:id="rId3" imgW="1180800" imgH="355320" progId="Equation.DSMT4">
                   <p:embed/>
                 </p:oleObj>
               </mc:Choice>
@@ -8420,7 +8424,7 @@
           <a:graphicData uri="http://schemas.openxmlformats.org/presentationml/2006/ole">
             <mc:AlternateContent xmlns:mc="http://schemas.openxmlformats.org/markup-compatibility/2006">
               <mc:Choice xmlns:v="urn:schemas-microsoft-com:vml" Requires="v">
-                <p:oleObj spid="_x0000_s7177" name="Equation" r:id="rId5" imgW="2057400" imgH="1295280" progId="Equation.DSMT4">
+                <p:oleObj spid="_x0000_s7183" name="Equation" r:id="rId5" imgW="2057400" imgH="1295280" progId="Equation.DSMT4">
                   <p:embed/>
                 </p:oleObj>
               </mc:Choice>
@@ -8499,7 +8503,7 @@
           <a:graphicData uri="http://schemas.openxmlformats.org/presentationml/2006/ole">
             <mc:AlternateContent xmlns:mc="http://schemas.openxmlformats.org/markup-compatibility/2006">
               <mc:Choice xmlns:v="urn:schemas-microsoft-com:vml" Requires="v">
-                <p:oleObj spid="_x0000_s7178" name="Equation" r:id="rId7" imgW="2552400" imgH="1422360" progId="Equation.DSMT4">
+                <p:oleObj spid="_x0000_s7184" name="Equation" r:id="rId7" imgW="2552400" imgH="1422360" progId="Equation.DSMT4">
                   <p:embed/>
                 </p:oleObj>
               </mc:Choice>
@@ -8615,7 +8619,7 @@
           <a:graphicData uri="http://schemas.openxmlformats.org/presentationml/2006/ole">
             <mc:AlternateContent xmlns:mc="http://schemas.openxmlformats.org/markup-compatibility/2006">
               <mc:Choice xmlns:v="urn:schemas-microsoft-com:vml" Requires="v">
-                <p:oleObj spid="_x0000_s8200" name="Equation" r:id="rId3" imgW="1180800" imgH="355320" progId="Equation.DSMT4">
+                <p:oleObj spid="_x0000_s8206" name="Equation" r:id="rId3" imgW="1180800" imgH="355320" progId="Equation.DSMT4">
                   <p:embed/>
                 </p:oleObj>
               </mc:Choice>
@@ -8676,7 +8680,7 @@
           <a:graphicData uri="http://schemas.openxmlformats.org/presentationml/2006/ole">
             <mc:AlternateContent xmlns:mc="http://schemas.openxmlformats.org/markup-compatibility/2006">
               <mc:Choice xmlns:v="urn:schemas-microsoft-com:vml" Requires="v">
-                <p:oleObj spid="_x0000_s8201" name="Equation" r:id="rId5" imgW="2057400" imgH="1295280" progId="Equation.DSMT4">
+                <p:oleObj spid="_x0000_s8207" name="Equation" r:id="rId5" imgW="2057400" imgH="1295280" progId="Equation.DSMT4">
                   <p:embed/>
                 </p:oleObj>
               </mc:Choice>
@@ -8755,7 +8759,7 @@
           <a:graphicData uri="http://schemas.openxmlformats.org/presentationml/2006/ole">
             <mc:AlternateContent xmlns:mc="http://schemas.openxmlformats.org/markup-compatibility/2006">
               <mc:Choice xmlns:v="urn:schemas-microsoft-com:vml" Requires="v">
-                <p:oleObj spid="_x0000_s8202" name="Equation" r:id="rId7" imgW="2552400" imgH="1422360" progId="Equation.DSMT4">
+                <p:oleObj spid="_x0000_s8208" name="Equation" r:id="rId7" imgW="2552400" imgH="1422360" progId="Equation.DSMT4">
                   <p:embed/>
                 </p:oleObj>
               </mc:Choice>
@@ -8871,7 +8875,7 @@
           <a:graphicData uri="http://schemas.openxmlformats.org/presentationml/2006/ole">
             <mc:AlternateContent xmlns:mc="http://schemas.openxmlformats.org/markup-compatibility/2006">
               <mc:Choice xmlns:v="urn:schemas-microsoft-com:vml" Requires="v">
-                <p:oleObj spid="_x0000_s9224" name="Equation" r:id="rId3" imgW="1180800" imgH="355320" progId="Equation.DSMT4">
+                <p:oleObj spid="_x0000_s9230" name="Equation" r:id="rId3" imgW="1180800" imgH="355320" progId="Equation.DSMT4">
                   <p:embed/>
                 </p:oleObj>
               </mc:Choice>
@@ -8932,7 +8936,7 @@
           <a:graphicData uri="http://schemas.openxmlformats.org/presentationml/2006/ole">
             <mc:AlternateContent xmlns:mc="http://schemas.openxmlformats.org/markup-compatibility/2006">
               <mc:Choice xmlns:v="urn:schemas-microsoft-com:vml" Requires="v">
-                <p:oleObj spid="_x0000_s9225" name="Equation" r:id="rId5" imgW="2057400" imgH="1295280" progId="Equation.DSMT4">
+                <p:oleObj spid="_x0000_s9231" name="Equation" r:id="rId5" imgW="2057400" imgH="1295280" progId="Equation.DSMT4">
                   <p:embed/>
                 </p:oleObj>
               </mc:Choice>
@@ -9011,7 +9015,7 @@
           <a:graphicData uri="http://schemas.openxmlformats.org/presentationml/2006/ole">
             <mc:AlternateContent xmlns:mc="http://schemas.openxmlformats.org/markup-compatibility/2006">
               <mc:Choice xmlns:v="urn:schemas-microsoft-com:vml" Requires="v">
-                <p:oleObj spid="_x0000_s9226" name="Equation" r:id="rId7" imgW="2552400" imgH="1422360" progId="Equation.DSMT4">
+                <p:oleObj spid="_x0000_s9232" name="Equation" r:id="rId7" imgW="2552400" imgH="1422360" progId="Equation.DSMT4">
                   <p:embed/>
                 </p:oleObj>
               </mc:Choice>
@@ -9127,7 +9131,7 @@
           <a:graphicData uri="http://schemas.openxmlformats.org/presentationml/2006/ole">
             <mc:AlternateContent xmlns:mc="http://schemas.openxmlformats.org/markup-compatibility/2006">
               <mc:Choice xmlns:v="urn:schemas-microsoft-com:vml" Requires="v">
-                <p:oleObj spid="_x0000_s10248" name="Equation" r:id="rId3" imgW="1180800" imgH="355320" progId="Equation.DSMT4">
+                <p:oleObj spid="_x0000_s10254" name="Equation" r:id="rId3" imgW="1180800" imgH="355320" progId="Equation.DSMT4">
                   <p:embed/>
                 </p:oleObj>
               </mc:Choice>
@@ -9188,7 +9192,7 @@
           <a:graphicData uri="http://schemas.openxmlformats.org/presentationml/2006/ole">
             <mc:AlternateContent xmlns:mc="http://schemas.openxmlformats.org/markup-compatibility/2006">
               <mc:Choice xmlns:v="urn:schemas-microsoft-com:vml" Requires="v">
-                <p:oleObj spid="_x0000_s10249" name="Equation" r:id="rId5" imgW="1143000" imgH="736560" progId="Equation.DSMT4">
+                <p:oleObj spid="_x0000_s10255" name="Equation" r:id="rId5" imgW="1143000" imgH="736560" progId="Equation.DSMT4">
                   <p:embed/>
                 </p:oleObj>
               </mc:Choice>
@@ -9267,7 +9271,7 @@
           <a:graphicData uri="http://schemas.openxmlformats.org/presentationml/2006/ole">
             <mc:AlternateContent xmlns:mc="http://schemas.openxmlformats.org/markup-compatibility/2006">
               <mc:Choice xmlns:v="urn:schemas-microsoft-com:vml" Requires="v">
-                <p:oleObj spid="_x0000_s10250" name="Equation" r:id="rId7" imgW="838080" imgH="914400" progId="Equation.DSMT4">
+                <p:oleObj spid="_x0000_s10256" name="Equation" r:id="rId7" imgW="838080" imgH="914400" progId="Equation.DSMT4">
                   <p:embed/>
                 </p:oleObj>
               </mc:Choice>
@@ -9383,7 +9387,7 @@
           <a:graphicData uri="http://schemas.openxmlformats.org/presentationml/2006/ole">
             <mc:AlternateContent xmlns:mc="http://schemas.openxmlformats.org/markup-compatibility/2006">
               <mc:Choice xmlns:v="urn:schemas-microsoft-com:vml" Requires="v">
-                <p:oleObj spid="_x0000_s11290" name="Equation" r:id="rId3" imgW="1206360" imgH="355320" progId="Equation.DSMT4">
+                <p:oleObj spid="_x0000_s11314" name="Equation" r:id="rId3" imgW="1206360" imgH="355320" progId="Equation.DSMT4">
                   <p:embed/>
                 </p:oleObj>
               </mc:Choice>
@@ -9444,7 +9448,7 @@
           <a:graphicData uri="http://schemas.openxmlformats.org/presentationml/2006/ole">
             <mc:AlternateContent xmlns:mc="http://schemas.openxmlformats.org/markup-compatibility/2006">
               <mc:Choice xmlns:v="urn:schemas-microsoft-com:vml" Requires="v">
-                <p:oleObj spid="_x0000_s11291" name="Equation" r:id="rId5" imgW="787320" imgH="1244520" progId="Equation.DSMT4">
+                <p:oleObj spid="_x0000_s11315" name="Equation" r:id="rId5" imgW="787320" imgH="1244520" progId="Equation.DSMT4">
                   <p:embed/>
                 </p:oleObj>
               </mc:Choice>
@@ -9523,7 +9527,7 @@
           <a:graphicData uri="http://schemas.openxmlformats.org/presentationml/2006/ole">
             <mc:AlternateContent xmlns:mc="http://schemas.openxmlformats.org/markup-compatibility/2006">
               <mc:Choice xmlns:v="urn:schemas-microsoft-com:vml" Requires="v">
-                <p:oleObj spid="_x0000_s11292" name="Equation" r:id="rId7" imgW="901440" imgH="736560" progId="Equation.DSMT4">
+                <p:oleObj spid="_x0000_s11316" name="Equation" r:id="rId7" imgW="901440" imgH="736560" progId="Equation.DSMT4">
                   <p:embed/>
                 </p:oleObj>
               </mc:Choice>
@@ -9602,7 +9606,7 @@
           <a:graphicData uri="http://schemas.openxmlformats.org/presentationml/2006/ole">
             <mc:AlternateContent xmlns:mc="http://schemas.openxmlformats.org/markup-compatibility/2006">
               <mc:Choice xmlns:v="urn:schemas-microsoft-com:vml" Requires="v">
-                <p:oleObj spid="_x0000_s11293" name="Equation" r:id="rId9" imgW="901440" imgH="482400" progId="Equation.DSMT4">
+                <p:oleObj spid="_x0000_s11317" name="Equation" r:id="rId9" imgW="901440" imgH="482400" progId="Equation.DSMT4">
                   <p:embed/>
                 </p:oleObj>
               </mc:Choice>
@@ -9659,7 +9663,7 @@
           <a:graphicData uri="http://schemas.openxmlformats.org/presentationml/2006/ole">
             <mc:AlternateContent xmlns:mc="http://schemas.openxmlformats.org/markup-compatibility/2006">
               <mc:Choice xmlns:v="urn:schemas-microsoft-com:vml" Requires="v">
-                <p:oleObj spid="_x0000_s11294" name="Equation" r:id="rId11" imgW="660240" imgH="1117440" progId="Equation.DSMT4">
+                <p:oleObj spid="_x0000_s11318" name="Equation" r:id="rId11" imgW="660240" imgH="1117440" progId="Equation.DSMT4">
                   <p:embed/>
                 </p:oleObj>
               </mc:Choice>
@@ -9716,7 +9720,7 @@
           <a:graphicData uri="http://schemas.openxmlformats.org/presentationml/2006/ole">
             <mc:AlternateContent xmlns:mc="http://schemas.openxmlformats.org/markup-compatibility/2006">
               <mc:Choice xmlns:v="urn:schemas-microsoft-com:vml" Requires="v">
-                <p:oleObj spid="_x0000_s11295" name="Equation" r:id="rId13" imgW="622080" imgH="939600" progId="Equation.DSMT4">
+                <p:oleObj spid="_x0000_s11319" name="Equation" r:id="rId13" imgW="622080" imgH="939600" progId="Equation.DSMT4">
                   <p:embed/>
                 </p:oleObj>
               </mc:Choice>
@@ -9773,7 +9777,7 @@
           <a:graphicData uri="http://schemas.openxmlformats.org/presentationml/2006/ole">
             <mc:AlternateContent xmlns:mc="http://schemas.openxmlformats.org/markup-compatibility/2006">
               <mc:Choice xmlns:v="urn:schemas-microsoft-com:vml" Requires="v">
-                <p:oleObj spid="_x0000_s11296" name="Equation" r:id="rId15" imgW="838080" imgH="241200" progId="Equation.DSMT4">
+                <p:oleObj spid="_x0000_s11320" name="Equation" r:id="rId15" imgW="838080" imgH="241200" progId="Equation.DSMT4">
                   <p:embed/>
                 </p:oleObj>
               </mc:Choice>
@@ -9971,7 +9975,7 @@
           <a:graphicData uri="http://schemas.openxmlformats.org/presentationml/2006/ole">
             <mc:AlternateContent xmlns:mc="http://schemas.openxmlformats.org/markup-compatibility/2006">
               <mc:Choice xmlns:v="urn:schemas-microsoft-com:vml" Requires="v">
-                <p:oleObj spid="_x0000_s11297" name="Equation" r:id="rId17" imgW="3860640" imgH="2565360" progId="Equation.DSMT4">
+                <p:oleObj spid="_x0000_s11321" name="Equation" r:id="rId17" imgW="3860640" imgH="2565360" progId="Equation.DSMT4">
                   <p:embed/>
                 </p:oleObj>
               </mc:Choice>
@@ -10063,7 +10067,7 @@
           <a:graphicData uri="http://schemas.openxmlformats.org/presentationml/2006/ole">
             <mc:AlternateContent xmlns:mc="http://schemas.openxmlformats.org/markup-compatibility/2006">
               <mc:Choice xmlns:v="urn:schemas-microsoft-com:vml" Requires="v">
-                <p:oleObj spid="_x0000_s11298" name="Equation" r:id="rId19" imgW="495000" imgH="914400" progId="Equation.DSMT4">
+                <p:oleObj spid="_x0000_s11322" name="Equation" r:id="rId19" imgW="495000" imgH="914400" progId="Equation.DSMT4">
                   <p:embed/>
                 </p:oleObj>
               </mc:Choice>
@@ -10120,7 +10124,7 @@
           <a:graphicData uri="http://schemas.openxmlformats.org/presentationml/2006/ole">
             <mc:AlternateContent xmlns:mc="http://schemas.openxmlformats.org/markup-compatibility/2006">
               <mc:Choice xmlns:v="urn:schemas-microsoft-com:vml" Requires="v">
-                <p:oleObj spid="_x0000_s11299" name="Equation" r:id="rId21" imgW="558720" imgH="431640" progId="Equation.DSMT4">
+                <p:oleObj spid="_x0000_s11323" name="Equation" r:id="rId21" imgW="558720" imgH="431640" progId="Equation.DSMT4">
                   <p:embed/>
                 </p:oleObj>
               </mc:Choice>
@@ -10177,7 +10181,7 @@
           <a:graphicData uri="http://schemas.openxmlformats.org/presentationml/2006/ole">
             <mc:AlternateContent xmlns:mc="http://schemas.openxmlformats.org/markup-compatibility/2006">
               <mc:Choice xmlns:v="urn:schemas-microsoft-com:vml" Requires="v">
-                <p:oleObj spid="_x0000_s11300" name="Equation" r:id="rId23" imgW="647640" imgH="457200" progId="Equation.DSMT4">
+                <p:oleObj spid="_x0000_s11324" name="Equation" r:id="rId23" imgW="647640" imgH="457200" progId="Equation.DSMT4">
                   <p:embed/>
                 </p:oleObj>
               </mc:Choice>
@@ -10234,7 +10238,7 @@
           <a:graphicData uri="http://schemas.openxmlformats.org/presentationml/2006/ole">
             <mc:AlternateContent xmlns:mc="http://schemas.openxmlformats.org/markup-compatibility/2006">
               <mc:Choice xmlns:v="urn:schemas-microsoft-com:vml" Requires="v">
-                <p:oleObj spid="_x0000_s11301" name="Equation" r:id="rId25" imgW="558720" imgH="431640" progId="Equation.DSMT4">
+                <p:oleObj spid="_x0000_s11325" name="Equation" r:id="rId25" imgW="558720" imgH="431640" progId="Equation.DSMT4">
                   <p:embed/>
                 </p:oleObj>
               </mc:Choice>
@@ -10328,7 +10332,7 @@
           <a:graphicData uri="http://schemas.openxmlformats.org/presentationml/2006/ole">
             <mc:AlternateContent xmlns:mc="http://schemas.openxmlformats.org/markup-compatibility/2006">
               <mc:Choice xmlns:v="urn:schemas-microsoft-com:vml" Requires="v">
-                <p:oleObj spid="_x0000_s12320" name="Equation" r:id="rId3" imgW="1206360" imgH="355320" progId="Equation.DSMT4">
+                <p:oleObj spid="_x0000_s12350" name="Equation" r:id="rId3" imgW="1206360" imgH="355320" progId="Equation.DSMT4">
                   <p:embed/>
                 </p:oleObj>
               </mc:Choice>
@@ -10389,7 +10393,7 @@
           <a:graphicData uri="http://schemas.openxmlformats.org/presentationml/2006/ole">
             <mc:AlternateContent xmlns:mc="http://schemas.openxmlformats.org/markup-compatibility/2006">
               <mc:Choice xmlns:v="urn:schemas-microsoft-com:vml" Requires="v">
-                <p:oleObj spid="_x0000_s12321" name="Equation" r:id="rId5" imgW="863280" imgH="1244520" progId="Equation.DSMT4">
+                <p:oleObj spid="_x0000_s12351" name="Equation" r:id="rId5" imgW="863280" imgH="1244520" progId="Equation.DSMT4">
                   <p:embed/>
                 </p:oleObj>
               </mc:Choice>
@@ -10468,7 +10472,7 @@
           <a:graphicData uri="http://schemas.openxmlformats.org/presentationml/2006/ole">
             <mc:AlternateContent xmlns:mc="http://schemas.openxmlformats.org/markup-compatibility/2006">
               <mc:Choice xmlns:v="urn:schemas-microsoft-com:vml" Requires="v">
-                <p:oleObj spid="_x0000_s12322" name="Equation" r:id="rId7" imgW="1193760" imgH="736560" progId="Equation.DSMT4">
+                <p:oleObj spid="_x0000_s12352" name="Equation" r:id="rId7" imgW="1193760" imgH="736560" progId="Equation.DSMT4">
                   <p:embed/>
                 </p:oleObj>
               </mc:Choice>
@@ -10547,7 +10551,7 @@
           <a:graphicData uri="http://schemas.openxmlformats.org/presentationml/2006/ole">
             <mc:AlternateContent xmlns:mc="http://schemas.openxmlformats.org/markup-compatibility/2006">
               <mc:Choice xmlns:v="urn:schemas-microsoft-com:vml" Requires="v">
-                <p:oleObj spid="_x0000_s12323" name="Equation" r:id="rId9" imgW="901440" imgH="482400" progId="Equation.DSMT4">
+                <p:oleObj spid="_x0000_s12353" name="Equation" r:id="rId9" imgW="901440" imgH="482400" progId="Equation.DSMT4">
                   <p:embed/>
                 </p:oleObj>
               </mc:Choice>
@@ -10604,7 +10608,7 @@
           <a:graphicData uri="http://schemas.openxmlformats.org/presentationml/2006/ole">
             <mc:AlternateContent xmlns:mc="http://schemas.openxmlformats.org/markup-compatibility/2006">
               <mc:Choice xmlns:v="urn:schemas-microsoft-com:vml" Requires="v">
-                <p:oleObj spid="_x0000_s12324" name="Equation" r:id="rId11" imgW="660240" imgH="1117440" progId="Equation.DSMT4">
+                <p:oleObj spid="_x0000_s12354" name="Equation" r:id="rId11" imgW="660240" imgH="1117440" progId="Equation.DSMT4">
                   <p:embed/>
                 </p:oleObj>
               </mc:Choice>
@@ -10661,7 +10665,7 @@
           <a:graphicData uri="http://schemas.openxmlformats.org/presentationml/2006/ole">
             <mc:AlternateContent xmlns:mc="http://schemas.openxmlformats.org/markup-compatibility/2006">
               <mc:Choice xmlns:v="urn:schemas-microsoft-com:vml" Requires="v">
-                <p:oleObj spid="_x0000_s12325" name="Equation" r:id="rId13" imgW="622080" imgH="939600" progId="Equation.DSMT4">
+                <p:oleObj spid="_x0000_s12355" name="Equation" r:id="rId13" imgW="622080" imgH="939600" progId="Equation.DSMT4">
                   <p:embed/>
                 </p:oleObj>
               </mc:Choice>
@@ -10718,7 +10722,7 @@
           <a:graphicData uri="http://schemas.openxmlformats.org/presentationml/2006/ole">
             <mc:AlternateContent xmlns:mc="http://schemas.openxmlformats.org/markup-compatibility/2006">
               <mc:Choice xmlns:v="urn:schemas-microsoft-com:vml" Requires="v">
-                <p:oleObj spid="_x0000_s12326" name="Equation" r:id="rId15" imgW="558720" imgH="431640" progId="Equation.DSMT4">
+                <p:oleObj spid="_x0000_s12356" name="Equation" r:id="rId15" imgW="558720" imgH="431640" progId="Equation.DSMT4">
                   <p:embed/>
                 </p:oleObj>
               </mc:Choice>
@@ -10775,7 +10779,7 @@
           <a:graphicData uri="http://schemas.openxmlformats.org/presentationml/2006/ole">
             <mc:AlternateContent xmlns:mc="http://schemas.openxmlformats.org/markup-compatibility/2006">
               <mc:Choice xmlns:v="urn:schemas-microsoft-com:vml" Requires="v">
-                <p:oleObj spid="_x0000_s12327" name="Equation" r:id="rId17" imgW="647640" imgH="457200" progId="Equation.DSMT4">
+                <p:oleObj spid="_x0000_s12357" name="Equation" r:id="rId17" imgW="647640" imgH="457200" progId="Equation.DSMT4">
                   <p:embed/>
                 </p:oleObj>
               </mc:Choice>
@@ -10832,7 +10836,7 @@
           <a:graphicData uri="http://schemas.openxmlformats.org/presentationml/2006/ole">
             <mc:AlternateContent xmlns:mc="http://schemas.openxmlformats.org/markup-compatibility/2006">
               <mc:Choice xmlns:v="urn:schemas-microsoft-com:vml" Requires="v">
-                <p:oleObj spid="_x0000_s12328" name="Equation" r:id="rId19" imgW="1193760" imgH="241200" progId="Equation.DSMT4">
+                <p:oleObj spid="_x0000_s12358" name="Equation" r:id="rId19" imgW="1193760" imgH="241200" progId="Equation.DSMT4">
                   <p:embed/>
                 </p:oleObj>
               </mc:Choice>
@@ -10889,7 +10893,7 @@
           <a:graphicData uri="http://schemas.openxmlformats.org/presentationml/2006/ole">
             <mc:AlternateContent xmlns:mc="http://schemas.openxmlformats.org/markup-compatibility/2006">
               <mc:Choice xmlns:v="urn:schemas-microsoft-com:vml" Requires="v">
-                <p:oleObj spid="_x0000_s12329" name="Equation" r:id="rId21" imgW="1384200" imgH="330120" progId="Equation.DSMT4">
+                <p:oleObj spid="_x0000_s12359" name="Equation" r:id="rId21" imgW="1384200" imgH="330120" progId="Equation.DSMT4">
                   <p:embed/>
                 </p:oleObj>
               </mc:Choice>
@@ -11087,7 +11091,7 @@
           <a:graphicData uri="http://schemas.openxmlformats.org/presentationml/2006/ole">
             <mc:AlternateContent xmlns:mc="http://schemas.openxmlformats.org/markup-compatibility/2006">
               <mc:Choice xmlns:v="urn:schemas-microsoft-com:vml" Requires="v">
-                <p:oleObj spid="_x0000_s12330" name="Equation" r:id="rId23" imgW="3860640" imgH="2565360" progId="Equation.DSMT4">
+                <p:oleObj spid="_x0000_s12360" name="Equation" r:id="rId23" imgW="3860640" imgH="2565360" progId="Equation.DSMT4">
                   <p:embed/>
                 </p:oleObj>
               </mc:Choice>
@@ -11179,7 +11183,7 @@
           <a:graphicData uri="http://schemas.openxmlformats.org/presentationml/2006/ole">
             <mc:AlternateContent xmlns:mc="http://schemas.openxmlformats.org/markup-compatibility/2006">
               <mc:Choice xmlns:v="urn:schemas-microsoft-com:vml" Requires="v">
-                <p:oleObj spid="_x0000_s12331" name="Equation" r:id="rId25" imgW="1295280" imgH="330120" progId="Equation.DSMT4">
+                <p:oleObj spid="_x0000_s12361" name="Equation" r:id="rId25" imgW="1295280" imgH="330120" progId="Equation.DSMT4">
                   <p:embed/>
                 </p:oleObj>
               </mc:Choice>
@@ -11240,7 +11244,7 @@
           <a:graphicData uri="http://schemas.openxmlformats.org/presentationml/2006/ole">
             <mc:AlternateContent xmlns:mc="http://schemas.openxmlformats.org/markup-compatibility/2006">
               <mc:Choice xmlns:v="urn:schemas-microsoft-com:vml" Requires="v">
-                <p:oleObj spid="_x0000_s12332" name="Equation" r:id="rId27" imgW="609480" imgH="253800" progId="Equation.DSMT4">
+                <p:oleObj spid="_x0000_s12362" name="Equation" r:id="rId27" imgW="609480" imgH="253800" progId="Equation.DSMT4">
                   <p:embed/>
                 </p:oleObj>
               </mc:Choice>
@@ -11297,7 +11301,7 @@
           <a:graphicData uri="http://schemas.openxmlformats.org/presentationml/2006/ole">
             <mc:AlternateContent xmlns:mc="http://schemas.openxmlformats.org/markup-compatibility/2006">
               <mc:Choice xmlns:v="urn:schemas-microsoft-com:vml" Requires="v">
-                <p:oleObj spid="_x0000_s12333" name="Equation" r:id="rId29" imgW="495000" imgH="914400" progId="Equation.DSMT4">
+                <p:oleObj spid="_x0000_s12363" name="Equation" r:id="rId29" imgW="495000" imgH="914400" progId="Equation.DSMT4">
                   <p:embed/>
                 </p:oleObj>
               </mc:Choice>
@@ -11354,7 +11358,7 @@
           <a:graphicData uri="http://schemas.openxmlformats.org/presentationml/2006/ole">
             <mc:AlternateContent xmlns:mc="http://schemas.openxmlformats.org/markup-compatibility/2006">
               <mc:Choice xmlns:v="urn:schemas-microsoft-com:vml" Requires="v">
-                <p:oleObj spid="_x0000_s12334" name="Equation" r:id="rId31" imgW="558720" imgH="431640" progId="Equation.DSMT4">
+                <p:oleObj spid="_x0000_s12364" name="Equation" r:id="rId31" imgW="558720" imgH="431640" progId="Equation.DSMT4">
                   <p:embed/>
                 </p:oleObj>
               </mc:Choice>
@@ -11525,7 +11529,7 @@
           <a:graphicData uri="http://schemas.openxmlformats.org/presentationml/2006/ole">
             <mc:AlternateContent xmlns:mc="http://schemas.openxmlformats.org/markup-compatibility/2006">
               <mc:Choice xmlns:v="urn:schemas-microsoft-com:vml" Requires="v">
-                <p:oleObj spid="_x0000_s13344" name="Equation" r:id="rId3" imgW="1206360" imgH="355320" progId="Equation.DSMT4">
+                <p:oleObj spid="_x0000_s13374" name="Equation" r:id="rId3" imgW="1206360" imgH="355320" progId="Equation.DSMT4">
                   <p:embed/>
                 </p:oleObj>
               </mc:Choice>
@@ -11586,7 +11590,7 @@
           <a:graphicData uri="http://schemas.openxmlformats.org/presentationml/2006/ole">
             <mc:AlternateContent xmlns:mc="http://schemas.openxmlformats.org/markup-compatibility/2006">
               <mc:Choice xmlns:v="urn:schemas-microsoft-com:vml" Requires="v">
-                <p:oleObj spid="_x0000_s13345" name="Equation" r:id="rId5" imgW="1460160" imgH="1244520" progId="Equation.DSMT4">
+                <p:oleObj spid="_x0000_s13375" name="Equation" r:id="rId5" imgW="1460160" imgH="1244520" progId="Equation.DSMT4">
                   <p:embed/>
                 </p:oleObj>
               </mc:Choice>
@@ -11665,7 +11669,7 @@
           <a:graphicData uri="http://schemas.openxmlformats.org/presentationml/2006/ole">
             <mc:AlternateContent xmlns:mc="http://schemas.openxmlformats.org/markup-compatibility/2006">
               <mc:Choice xmlns:v="urn:schemas-microsoft-com:vml" Requires="v">
-                <p:oleObj spid="_x0000_s13346" name="Equation" r:id="rId7" imgW="1676160" imgH="965160" progId="Equation.DSMT4">
+                <p:oleObj spid="_x0000_s13376" name="Equation" r:id="rId7" imgW="1676160" imgH="965160" progId="Equation.DSMT4">
                   <p:embed/>
                 </p:oleObj>
               </mc:Choice>
@@ -11744,7 +11748,7 @@
           <a:graphicData uri="http://schemas.openxmlformats.org/presentationml/2006/ole">
             <mc:AlternateContent xmlns:mc="http://schemas.openxmlformats.org/markup-compatibility/2006">
               <mc:Choice xmlns:v="urn:schemas-microsoft-com:vml" Requires="v">
-                <p:oleObj spid="_x0000_s13347" name="Equation" r:id="rId9" imgW="901440" imgH="482400" progId="Equation.DSMT4">
+                <p:oleObj spid="_x0000_s13377" name="Equation" r:id="rId9" imgW="901440" imgH="482400" progId="Equation.DSMT4">
                   <p:embed/>
                 </p:oleObj>
               </mc:Choice>
@@ -11801,7 +11805,7 @@
           <a:graphicData uri="http://schemas.openxmlformats.org/presentationml/2006/ole">
             <mc:AlternateContent xmlns:mc="http://schemas.openxmlformats.org/markup-compatibility/2006">
               <mc:Choice xmlns:v="urn:schemas-microsoft-com:vml" Requires="v">
-                <p:oleObj spid="_x0000_s13348" name="Equation" r:id="rId11" imgW="660240" imgH="1117440" progId="Equation.DSMT4">
+                <p:oleObj spid="_x0000_s13378" name="Equation" r:id="rId11" imgW="660240" imgH="1117440" progId="Equation.DSMT4">
                   <p:embed/>
                 </p:oleObj>
               </mc:Choice>
@@ -11858,7 +11862,7 @@
           <a:graphicData uri="http://schemas.openxmlformats.org/presentationml/2006/ole">
             <mc:AlternateContent xmlns:mc="http://schemas.openxmlformats.org/markup-compatibility/2006">
               <mc:Choice xmlns:v="urn:schemas-microsoft-com:vml" Requires="v">
-                <p:oleObj spid="_x0000_s13349" name="Equation" r:id="rId13" imgW="622080" imgH="939600" progId="Equation.DSMT4">
+                <p:oleObj spid="_x0000_s13379" name="Equation" r:id="rId13" imgW="622080" imgH="939600" progId="Equation.DSMT4">
                   <p:embed/>
                 </p:oleObj>
               </mc:Choice>
@@ -11915,7 +11919,7 @@
           <a:graphicData uri="http://schemas.openxmlformats.org/presentationml/2006/ole">
             <mc:AlternateContent xmlns:mc="http://schemas.openxmlformats.org/markup-compatibility/2006">
               <mc:Choice xmlns:v="urn:schemas-microsoft-com:vml" Requires="v">
-                <p:oleObj spid="_x0000_s13350" name="Equation" r:id="rId15" imgW="723600" imgH="685800" progId="Equation.DSMT4">
+                <p:oleObj spid="_x0000_s13380" name="Equation" r:id="rId15" imgW="723600" imgH="685800" progId="Equation.DSMT4">
                   <p:embed/>
                 </p:oleObj>
               </mc:Choice>
@@ -11972,7 +11976,7 @@
           <a:graphicData uri="http://schemas.openxmlformats.org/presentationml/2006/ole">
             <mc:AlternateContent xmlns:mc="http://schemas.openxmlformats.org/markup-compatibility/2006">
               <mc:Choice xmlns:v="urn:schemas-microsoft-com:vml" Requires="v">
-                <p:oleObj spid="_x0000_s13351" name="Equation" r:id="rId17" imgW="1193760" imgH="241200" progId="Equation.DSMT4">
+                <p:oleObj spid="_x0000_s13381" name="Equation" r:id="rId17" imgW="1193760" imgH="241200" progId="Equation.DSMT4">
                   <p:embed/>
                 </p:oleObj>
               </mc:Choice>
@@ -12029,7 +12033,7 @@
           <a:graphicData uri="http://schemas.openxmlformats.org/presentationml/2006/ole">
             <mc:AlternateContent xmlns:mc="http://schemas.openxmlformats.org/markup-compatibility/2006">
               <mc:Choice xmlns:v="urn:schemas-microsoft-com:vml" Requires="v">
-                <p:oleObj spid="_x0000_s13352" name="Equation" r:id="rId19" imgW="1752480" imgH="558720" progId="Equation.DSMT4">
+                <p:oleObj spid="_x0000_s13382" name="Equation" r:id="rId19" imgW="1752480" imgH="558720" progId="Equation.DSMT4">
                   <p:embed/>
                 </p:oleObj>
               </mc:Choice>
@@ -12262,7 +12266,7 @@
           <a:graphicData uri="http://schemas.openxmlformats.org/presentationml/2006/ole">
             <mc:AlternateContent xmlns:mc="http://schemas.openxmlformats.org/markup-compatibility/2006">
               <mc:Choice xmlns:v="urn:schemas-microsoft-com:vml" Requires="v">
-                <p:oleObj spid="_x0000_s13353" name="Equation" r:id="rId21" imgW="1295280" imgH="330120" progId="Equation.DSMT4">
+                <p:oleObj spid="_x0000_s13383" name="Equation" r:id="rId21" imgW="1295280" imgH="330120" progId="Equation.DSMT4">
                   <p:embed/>
                 </p:oleObj>
               </mc:Choice>
@@ -12323,7 +12327,7 @@
           <a:graphicData uri="http://schemas.openxmlformats.org/presentationml/2006/ole">
             <mc:AlternateContent xmlns:mc="http://schemas.openxmlformats.org/markup-compatibility/2006">
               <mc:Choice xmlns:v="urn:schemas-microsoft-com:vml" Requires="v">
-                <p:oleObj spid="_x0000_s13354" name="Equation" r:id="rId23" imgW="723600" imgH="914400" progId="Equation.DSMT4">
+                <p:oleObj spid="_x0000_s13384" name="Equation" r:id="rId23" imgW="723600" imgH="914400" progId="Equation.DSMT4">
                   <p:embed/>
                 </p:oleObj>
               </mc:Choice>
@@ -12380,7 +12384,7 @@
           <a:graphicData uri="http://schemas.openxmlformats.org/presentationml/2006/ole">
             <mc:AlternateContent xmlns:mc="http://schemas.openxmlformats.org/markup-compatibility/2006">
               <mc:Choice xmlns:v="urn:schemas-microsoft-com:vml" Requires="v">
-                <p:oleObj spid="_x0000_s13355" name="Equation" r:id="rId25" imgW="685800" imgH="482400" progId="Equation.DSMT4">
+                <p:oleObj spid="_x0000_s13385" name="Equation" r:id="rId25" imgW="685800" imgH="482400" progId="Equation.DSMT4">
                   <p:embed/>
                 </p:oleObj>
               </mc:Choice>
@@ -12437,7 +12441,7 @@
           <a:graphicData uri="http://schemas.openxmlformats.org/presentationml/2006/ole">
             <mc:AlternateContent xmlns:mc="http://schemas.openxmlformats.org/markup-compatibility/2006">
               <mc:Choice xmlns:v="urn:schemas-microsoft-com:vml" Requires="v">
-                <p:oleObj spid="_x0000_s13356" name="Equation" r:id="rId27" imgW="634680" imgH="660240" progId="Equation.DSMT4">
+                <p:oleObj spid="_x0000_s13386" name="Equation" r:id="rId27" imgW="634680" imgH="660240" progId="Equation.DSMT4">
                   <p:embed/>
                 </p:oleObj>
               </mc:Choice>
@@ -12494,7 +12498,7 @@
           <a:graphicData uri="http://schemas.openxmlformats.org/presentationml/2006/ole">
             <mc:AlternateContent xmlns:mc="http://schemas.openxmlformats.org/markup-compatibility/2006">
               <mc:Choice xmlns:v="urn:schemas-microsoft-com:vml" Requires="v">
-                <p:oleObj spid="_x0000_s13357" name="Equation" r:id="rId29" imgW="634680" imgH="660240" progId="Equation.DSMT4">
+                <p:oleObj spid="_x0000_s13387" name="Equation" r:id="rId29" imgW="634680" imgH="660240" progId="Equation.DSMT4">
                   <p:embed/>
                 </p:oleObj>
               </mc:Choice>
@@ -12632,7 +12636,7 @@
           <a:graphicData uri="http://schemas.openxmlformats.org/presentationml/2006/ole">
             <mc:AlternateContent xmlns:mc="http://schemas.openxmlformats.org/markup-compatibility/2006">
               <mc:Choice xmlns:v="urn:schemas-microsoft-com:vml" Requires="v">
-                <p:oleObj spid="_x0000_s13358" name="Equation" r:id="rId31" imgW="3860640" imgH="2565360" progId="Equation.DSMT4">
+                <p:oleObj spid="_x0000_s13388" name="Equation" r:id="rId31" imgW="3860640" imgH="2565360" progId="Equation.DSMT4">
                   <p:embed/>
                 </p:oleObj>
               </mc:Choice>
